--- a/del-Minichallenge-2/docs/del-mc2-präsi.pptx
+++ b/del-Minichallenge-2/docs/del-mc2-präsi.pptx
@@ -116,6 +116,11 @@
       </a:defRPr>
     </a:lvl9pPr>
   </p:defaultTextStyle>
+  <p:extLst>
+    <p:ext uri="{EFAFB233-063F-42B5-8137-9DF3F51BA10A}">
+      <p15:sldGuideLst xmlns:p15="http://schemas.microsoft.com/office/powerpoint/2012/main"/>
+    </p:ext>
+  </p:extLst>
 </p:presentation>
 </file>
 
@@ -478,7 +483,7 @@
           <a:p>
             <a:fld id="{CDF3A020-454D-4915-821C-D52B0F3E3877}" type="datetimeFigureOut">
               <a:rPr lang="de-CH" smtClean="0"/>
-              <a:t>31.12.2023</a:t>
+              <a:t>10.01.2024</a:t>
             </a:fld>
             <a:endParaRPr lang="de-CH"/>
           </a:p>
@@ -895,7 +900,7 @@
           <a:p>
             <a:fld id="{D3C95AD9-EFB2-4898-9832-B98BAA5C8E04}" type="datetime1">
               <a:rPr lang="de-CH" smtClean="0"/>
-              <a:t>31.12.2023</a:t>
+              <a:t>10.01.2024</a:t>
             </a:fld>
             <a:endParaRPr lang="de-CH"/>
           </a:p>
@@ -1099,7 +1104,7 @@
           <a:p>
             <a:fld id="{9E165265-8165-49F1-91A8-E70E1E292982}" type="datetime1">
               <a:rPr lang="de-CH" smtClean="0"/>
-              <a:t>31.12.2023</a:t>
+              <a:t>10.01.2024</a:t>
             </a:fld>
             <a:endParaRPr lang="de-CH"/>
           </a:p>
@@ -1313,7 +1318,7 @@
           <a:p>
             <a:fld id="{1C4EA4CC-4763-44DB-B353-33E4089DD5FB}" type="datetime1">
               <a:rPr lang="de-CH" smtClean="0"/>
-              <a:t>31.12.2023</a:t>
+              <a:t>10.01.2024</a:t>
             </a:fld>
             <a:endParaRPr lang="de-CH"/>
           </a:p>
@@ -1517,7 +1522,7 @@
           <a:p>
             <a:fld id="{F4073F51-5507-415F-93EC-2541CAD0F109}" type="datetime1">
               <a:rPr lang="de-CH" smtClean="0"/>
-              <a:t>31.12.2023</a:t>
+              <a:t>10.01.2024</a:t>
             </a:fld>
             <a:endParaRPr lang="de-CH"/>
           </a:p>
@@ -1797,7 +1802,7 @@
           <a:p>
             <a:fld id="{88036CCC-CD8E-4B19-9B6B-9E686FDF93D0}" type="datetime1">
               <a:rPr lang="de-CH" smtClean="0"/>
-              <a:t>31.12.2023</a:t>
+              <a:t>10.01.2024</a:t>
             </a:fld>
             <a:endParaRPr lang="de-CH"/>
           </a:p>
@@ -2069,7 +2074,7 @@
           <a:p>
             <a:fld id="{D2D6FB56-3D0D-4525-BB35-DA8023D045FB}" type="datetime1">
               <a:rPr lang="de-CH" smtClean="0"/>
-              <a:t>31.12.2023</a:t>
+              <a:t>10.01.2024</a:t>
             </a:fld>
             <a:endParaRPr lang="de-CH"/>
           </a:p>
@@ -2488,7 +2493,7 @@
           <a:p>
             <a:fld id="{F3845D3F-B03C-4CA9-8F08-57FFBC2B022B}" type="datetime1">
               <a:rPr lang="de-CH" smtClean="0"/>
-              <a:t>31.12.2023</a:t>
+              <a:t>10.01.2024</a:t>
             </a:fld>
             <a:endParaRPr lang="de-CH"/>
           </a:p>
@@ -2634,7 +2639,7 @@
           <a:p>
             <a:fld id="{0E0444B1-AE6C-46B4-9799-B73B5D21A082}" type="datetime1">
               <a:rPr lang="de-CH" smtClean="0"/>
-              <a:t>31.12.2023</a:t>
+              <a:t>10.01.2024</a:t>
             </a:fld>
             <a:endParaRPr lang="de-CH"/>
           </a:p>
@@ -2751,7 +2756,7 @@
           <a:p>
             <a:fld id="{960CD63E-96A7-4836-93D3-368297951D0E}" type="datetime1">
               <a:rPr lang="de-CH" smtClean="0"/>
-              <a:t>31.12.2023</a:t>
+              <a:t>10.01.2024</a:t>
             </a:fld>
             <a:endParaRPr lang="de-CH"/>
           </a:p>
@@ -3068,7 +3073,7 @@
           <a:p>
             <a:fld id="{E9902AF4-F34A-4D18-9D52-C55461C44A60}" type="datetime1">
               <a:rPr lang="de-CH" smtClean="0"/>
-              <a:t>31.12.2023</a:t>
+              <a:t>10.01.2024</a:t>
             </a:fld>
             <a:endParaRPr lang="de-CH"/>
           </a:p>
@@ -3361,7 +3366,7 @@
           <a:p>
             <a:fld id="{ECE1BED3-2F6D-497E-8367-89A5F4786F51}" type="datetime1">
               <a:rPr lang="de-CH" smtClean="0"/>
-              <a:t>31.12.2023</a:t>
+              <a:t>10.01.2024</a:t>
             </a:fld>
             <a:endParaRPr lang="de-CH"/>
           </a:p>
@@ -3608,7 +3613,7 @@
           <a:p>
             <a:fld id="{689A735B-5364-43E8-A8C9-423CF5DD2D6E}" type="datetime1">
               <a:rPr lang="de-CH" smtClean="0"/>
-              <a:t>31.12.2023</a:t>
+              <a:t>10.01.2024</a:t>
             </a:fld>
             <a:endParaRPr lang="de-CH"/>
           </a:p>
@@ -4323,7 +4328,7 @@
           <a:p>
             <a:fld id="{E9039B53-64DB-43D6-B390-336BA2AB1C61}" type="datetime1">
               <a:rPr lang="de-CH" smtClean="0"/>
-              <a:t>31.12.2023</a:t>
+              <a:t>10.01.2024</a:t>
             </a:fld>
             <a:endParaRPr lang="de-CH"/>
           </a:p>
@@ -4462,7 +4467,7 @@
           <a:p>
             <a:fld id="{F4073F51-5507-415F-93EC-2541CAD0F109}" type="datetime1">
               <a:rPr lang="de-CH" smtClean="0"/>
-              <a:t>31.12.2023</a:t>
+              <a:t>10.01.2024</a:t>
             </a:fld>
             <a:endParaRPr lang="de-CH"/>
           </a:p>
@@ -4675,12 +4680,21 @@
             </a:r>
           </a:p>
           <a:p>
+            <a:pPr lvl="1"/>
+            <a:r>
+              <a:rPr lang="de-CH" dirty="0"/>
+              <a:t>Unterschiedlich grosse Bilder </a:t>
+            </a:r>
+          </a:p>
+          <a:p>
+            <a:pPr lvl="1"/>
             <a:r>
               <a:rPr lang="de-CH" dirty="0"/>
               <a:t>95% Quantile = 19 Wörter</a:t>
             </a:r>
           </a:p>
           <a:p>
+            <a:pPr lvl="1"/>
             <a:r>
               <a:rPr lang="de-CH" dirty="0"/>
               <a:t>Meist vorkommendes Wort: «a»</a:t>
@@ -4710,7 +4724,7 @@
           <a:lstStyle/>
           <a:p>
             <a:r>
-              <a:rPr lang="en-US" dirty="0"/>
+              <a:rPr lang="en-US"/>
               <a:t>Deep Learning - Mini Challenge 2</a:t>
             </a:r>
             <a:endParaRPr lang="de-CH" dirty="0"/>
@@ -4769,7 +4783,7 @@
           <a:p>
             <a:fld id="{EE4D6A01-B4A1-463C-96FF-57D8E00838CD}" type="datetime1">
               <a:rPr lang="de-CH" smtClean="0"/>
-              <a:t>31.12.2023</a:t>
+              <a:t>10.01.2024</a:t>
             </a:fld>
             <a:endParaRPr lang="de-CH"/>
           </a:p>
@@ -4820,6 +4834,36 @@
               </a14:hiddenFill>
             </a:ext>
           </a:extLst>
+        </p:spPr>
+      </p:pic>
+      <p:pic>
+        <p:nvPicPr>
+          <p:cNvPr id="8" name="Grafik 7">
+            <a:extLst>
+              <a:ext uri="{FF2B5EF4-FFF2-40B4-BE49-F238E27FC236}">
+                <a16:creationId xmlns:a16="http://schemas.microsoft.com/office/drawing/2014/main" id="{A60F4282-320B-1B7C-0CC0-7D468ED9CDAE}"/>
+              </a:ext>
+            </a:extLst>
+          </p:cNvPr>
+          <p:cNvPicPr>
+            <a:picLocks noChangeAspect="1"/>
+          </p:cNvPicPr>
+          <p:nvPr/>
+        </p:nvPicPr>
+        <p:blipFill>
+          <a:blip r:embed="rId3"/>
+          <a:stretch>
+            <a:fillRect/>
+          </a:stretch>
+        </p:blipFill>
+        <p:spPr>
+          <a:xfrm>
+            <a:off x="6705600" y="2117615"/>
+            <a:ext cx="4281947" cy="3490268"/>
+          </a:xfrm>
+          <a:prstGeom prst="rect">
+            <a:avLst/>
+          </a:prstGeom>
         </p:spPr>
       </p:pic>
     </p:spTree>
@@ -4920,7 +4964,7 @@
             <a:pPr lvl="1"/>
             <a:r>
               <a:rPr lang="de-CH" dirty="0"/>
-              <a:t>Skalierung auf 244x244 </a:t>
+              <a:t>Skalierung auf 224x224 </a:t>
             </a:r>
           </a:p>
           <a:p>
@@ -5004,7 +5048,7 @@
           <a:p>
             <a:fld id="{F4073F51-5507-415F-93EC-2541CAD0F109}" type="datetime1">
               <a:rPr lang="de-CH" smtClean="0"/>
-              <a:t>31.12.2023</a:t>
+              <a:t>10.01.2024</a:t>
             </a:fld>
             <a:endParaRPr lang="de-CH"/>
           </a:p>
@@ -5219,7 +5263,7 @@
           <a:p>
             <a:r>
               <a:rPr lang="de-CH" dirty="0"/>
-              <a:t>Output auf Embedding Dimension zuschneiden</a:t>
+              <a:t>Output auf Embedding Dimension mappen</a:t>
             </a:r>
           </a:p>
           <a:p>
@@ -5308,7 +5352,7 @@
           <a:p>
             <a:fld id="{EE4D6A01-B4A1-463C-96FF-57D8E00838CD}" type="datetime1">
               <a:rPr lang="de-CH" smtClean="0"/>
-              <a:t>31.12.2023</a:t>
+              <a:t>10.01.2024</a:t>
             </a:fld>
             <a:endParaRPr lang="de-CH"/>
           </a:p>
@@ -5442,7 +5486,7 @@
           <a:p>
             <a:r>
               <a:rPr lang="de-CH" dirty="0"/>
-              <a:t>Output von Encoder - Bild Feature - mit gleicher Embedding Dimension</a:t>
+              <a:t>Output von Encoder - Bild Feature - mit gleicher Embedding Dimension für Caption Tokens Konkatenieren</a:t>
             </a:r>
           </a:p>
           <a:p>
@@ -5549,7 +5593,7 @@
           <a:p>
             <a:fld id="{EE4D6A01-B4A1-463C-96FF-57D8E00838CD}" type="datetime1">
               <a:rPr lang="de-CH" smtClean="0"/>
-              <a:t>31.12.2023</a:t>
+              <a:t>10.01.2024</a:t>
             </a:fld>
             <a:endParaRPr lang="de-CH"/>
           </a:p>
@@ -5802,7 +5846,7 @@
           <a:p>
             <a:fld id="{EE4D6A01-B4A1-463C-96FF-57D8E00838CD}" type="datetime1">
               <a:rPr lang="de-CH" smtClean="0"/>
-              <a:t>31.12.2023</a:t>
+              <a:t>10.01.2024</a:t>
             </a:fld>
             <a:endParaRPr lang="de-CH"/>
           </a:p>
@@ -5853,6 +5897,36 @@
               </a14:hiddenFill>
             </a:ext>
           </a:extLst>
+        </p:spPr>
+      </p:pic>
+      <p:pic>
+        <p:nvPicPr>
+          <p:cNvPr id="8" name="Grafik 7">
+            <a:extLst>
+              <a:ext uri="{FF2B5EF4-FFF2-40B4-BE49-F238E27FC236}">
+                <a16:creationId xmlns:a16="http://schemas.microsoft.com/office/drawing/2014/main" id="{51C22E99-CC2E-57F6-890F-091CDCCDBC35}"/>
+              </a:ext>
+            </a:extLst>
+          </p:cNvPr>
+          <p:cNvPicPr>
+            <a:picLocks noChangeAspect="1"/>
+          </p:cNvPicPr>
+          <p:nvPr/>
+        </p:nvPicPr>
+        <p:blipFill>
+          <a:blip r:embed="rId3"/>
+          <a:stretch>
+            <a:fillRect/>
+          </a:stretch>
+        </p:blipFill>
+        <p:spPr>
+          <a:xfrm>
+            <a:off x="4727530" y="2129424"/>
+            <a:ext cx="3883070" cy="3106455"/>
+          </a:xfrm>
+          <a:prstGeom prst="rect">
+            <a:avLst/>
+          </a:prstGeom>
         </p:spPr>
       </p:pic>
     </p:spTree>
@@ -5994,7 +6068,7 @@
           <a:p>
             <a:fld id="{EE4D6A01-B4A1-463C-96FF-57D8E00838CD}" type="datetime1">
               <a:rPr lang="de-CH" smtClean="0"/>
-              <a:t>31.12.2023</a:t>
+              <a:t>10.01.2024</a:t>
             </a:fld>
             <a:endParaRPr lang="de-CH"/>
           </a:p>
@@ -6218,11 +6292,19 @@
           <a:p>
             <a:r>
               <a:rPr lang="de-CH" dirty="0"/>
-              <a:t>Bleu Score – Augmentation</a:t>
-            </a:r>
-          </a:p>
-          <a:p>
-            <a:endParaRPr lang="de-CH" dirty="0"/>
+              <a:t>Bleu Score</a:t>
+            </a:r>
+          </a:p>
+          <a:p>
+            <a:pPr lvl="1"/>
+            <a:r>
+              <a:rPr lang="de-CH" dirty="0" err="1"/>
+              <a:t>N_Gram</a:t>
+            </a:r>
+            <a:r>
+              <a:rPr lang="de-CH" dirty="0"/>
+              <a:t> = 3</a:t>
+            </a:r>
           </a:p>
         </p:txBody>
       </p:sp>
@@ -6249,7 +6331,7 @@
           <a:p>
             <a:fld id="{F4073F51-5507-415F-93EC-2541CAD0F109}" type="datetime1">
               <a:rPr lang="de-CH" smtClean="0"/>
-              <a:t>31.12.2023</a:t>
+              <a:t>10.01.2024</a:t>
             </a:fld>
             <a:endParaRPr lang="de-CH"/>
           </a:p>
@@ -6382,74 +6464,49 @@
         </p:blipFill>
         <p:spPr>
           <a:xfrm>
-            <a:off x="8314086" y="2194780"/>
-            <a:ext cx="5328446" cy="2803529"/>
+            <a:off x="5865380" y="2543014"/>
+            <a:ext cx="6002976" cy="3158429"/>
           </a:xfrm>
           <a:prstGeom prst="rect">
             <a:avLst/>
           </a:prstGeom>
         </p:spPr>
       </p:pic>
-      <p:pic>
-        <p:nvPicPr>
-          <p:cNvPr id="13" name="Grafik 12">
-            <a:extLst>
-              <a:ext uri="{FF2B5EF4-FFF2-40B4-BE49-F238E27FC236}">
-                <a16:creationId xmlns:a16="http://schemas.microsoft.com/office/drawing/2014/main" id="{DCD696EB-6B75-C437-25A3-A9623FA9C60E}"/>
-              </a:ext>
-            </a:extLst>
-          </p:cNvPr>
-          <p:cNvPicPr>
-            <a:picLocks noChangeAspect="1"/>
-          </p:cNvPicPr>
+      <p:sp>
+        <p:nvSpPr>
+          <p:cNvPr id="8" name="Textfeld 7">
+            <a:extLst>
+              <a:ext uri="{FF2B5EF4-FFF2-40B4-BE49-F238E27FC236}">
+                <a16:creationId xmlns:a16="http://schemas.microsoft.com/office/drawing/2014/main" id="{2FD0D1C2-F6E8-0A89-8B07-A6BBAD8CB7CF}"/>
+              </a:ext>
+            </a:extLst>
+          </p:cNvPr>
+          <p:cNvSpPr txBox="1"/>
           <p:nvPr/>
-        </p:nvPicPr>
-        <p:blipFill>
-          <a:blip r:embed="rId4"/>
-          <a:stretch>
-            <a:fillRect/>
-          </a:stretch>
-        </p:blipFill>
+        </p:nvSpPr>
         <p:spPr>
           <a:xfrm>
-            <a:off x="-1977944" y="2484026"/>
-            <a:ext cx="5179283" cy="2814704"/>
+            <a:off x="6096000" y="2178961"/>
+            <a:ext cx="4565422" cy="369332"/>
           </a:xfrm>
           <a:prstGeom prst="rect">
             <a:avLst/>
           </a:prstGeom>
+          <a:noFill/>
         </p:spPr>
-      </p:pic>
-      <p:pic>
-        <p:nvPicPr>
-          <p:cNvPr id="15" name="Grafik 14">
-            <a:extLst>
-              <a:ext uri="{FF2B5EF4-FFF2-40B4-BE49-F238E27FC236}">
-                <a16:creationId xmlns:a16="http://schemas.microsoft.com/office/drawing/2014/main" id="{CB56AAB0-0FB9-0811-3B7E-E117AA3EC4F1}"/>
-              </a:ext>
-            </a:extLst>
-          </p:cNvPr>
-          <p:cNvPicPr>
-            <a:picLocks noChangeAspect="1"/>
-          </p:cNvPicPr>
-          <p:nvPr/>
-        </p:nvPicPr>
-        <p:blipFill>
-          <a:blip r:embed="rId5"/>
-          <a:stretch>
-            <a:fillRect/>
-          </a:stretch>
-        </p:blipFill>
-        <p:spPr>
-          <a:xfrm>
-            <a:off x="3380317" y="2349089"/>
-            <a:ext cx="4933769" cy="2649220"/>
-          </a:xfrm>
-          <a:prstGeom prst="rect">
-            <a:avLst/>
-          </a:prstGeom>
-        </p:spPr>
-      </p:pic>
+        <p:txBody>
+          <a:bodyPr wrap="square" rtlCol="0">
+            <a:spAutoFit/>
+          </a:bodyPr>
+          <a:lstStyle/>
+          <a:p>
+            <a:r>
+              <a:rPr lang="de-CH" dirty="0"/>
+              <a:t>Bleu Verteilung bei Augmentierten Bilder</a:t>
+            </a:r>
+          </a:p>
+        </p:txBody>
+      </p:sp>
     </p:spTree>
     <p:extLst>
       <p:ext uri="{BB962C8B-B14F-4D97-AF65-F5344CB8AC3E}">
@@ -6579,7 +6636,7 @@
           <a:p>
             <a:fld id="{F4073F51-5507-415F-93EC-2541CAD0F109}" type="datetime1">
               <a:rPr lang="de-CH" smtClean="0"/>
-              <a:t>31.12.2023</a:t>
+              <a:t>10.01.2024</a:t>
             </a:fld>
             <a:endParaRPr lang="de-CH"/>
           </a:p>

--- a/del-Minichallenge-2/docs/del-mc2-präsi.pptx
+++ b/del-Minichallenge-2/docs/del-mc2-präsi.pptx
@@ -6143,7 +6143,7 @@
         </p:blipFill>
         <p:spPr>
           <a:xfrm>
-            <a:off x="8123846" y="2042826"/>
+            <a:off x="4573891" y="1880060"/>
             <a:ext cx="4036709" cy="3795819"/>
           </a:xfrm>
           <a:prstGeom prst="rect">
@@ -6173,7 +6173,7 @@
         </p:blipFill>
         <p:spPr>
           <a:xfrm>
-            <a:off x="4332251" y="2069432"/>
+            <a:off x="314002" y="1880060"/>
             <a:ext cx="3791595" cy="4084867"/>
           </a:xfrm>
           <a:prstGeom prst="rect">
@@ -6183,10 +6183,10 @@
       </p:pic>
       <p:pic>
         <p:nvPicPr>
-          <p:cNvPr id="18" name="Grafik 17">
-            <a:extLst>
-              <a:ext uri="{FF2B5EF4-FFF2-40B4-BE49-F238E27FC236}">
-                <a16:creationId xmlns:a16="http://schemas.microsoft.com/office/drawing/2014/main" id="{9B7F849A-3C57-9ACA-54A6-B850937AE6C5}"/>
+          <p:cNvPr id="7" name="Grafik 6">
+            <a:extLst>
+              <a:ext uri="{FF2B5EF4-FFF2-40B4-BE49-F238E27FC236}">
+                <a16:creationId xmlns:a16="http://schemas.microsoft.com/office/drawing/2014/main" id="{6D5136EC-7D6A-5A89-DC9B-CDFF334FB9A8}"/>
               </a:ext>
             </a:extLst>
           </p:cNvPr>
@@ -6203,8 +6203,8 @@
         </p:blipFill>
         <p:spPr>
           <a:xfrm>
-            <a:off x="0" y="2069432"/>
-            <a:ext cx="4332251" cy="3769213"/>
+            <a:off x="8906005" y="1880060"/>
+            <a:ext cx="2447795" cy="4462413"/>
           </a:xfrm>
           <a:prstGeom prst="rect">
             <a:avLst/>

--- a/del-Minichallenge-2/docs/del-mc2-präsi.pptx
+++ b/del-Minichallenge-2/docs/del-mc2-präsi.pptx
@@ -483,7 +483,7 @@
           <a:p>
             <a:fld id="{CDF3A020-454D-4915-821C-D52B0F3E3877}" type="datetimeFigureOut">
               <a:rPr lang="de-CH" smtClean="0"/>
-              <a:t>10.01.2024</a:t>
+              <a:t>15.01.2024</a:t>
             </a:fld>
             <a:endParaRPr lang="de-CH"/>
           </a:p>
@@ -900,7 +900,7 @@
           <a:p>
             <a:fld id="{D3C95AD9-EFB2-4898-9832-B98BAA5C8E04}" type="datetime1">
               <a:rPr lang="de-CH" smtClean="0"/>
-              <a:t>10.01.2024</a:t>
+              <a:t>15.01.2024</a:t>
             </a:fld>
             <a:endParaRPr lang="de-CH"/>
           </a:p>
@@ -1104,7 +1104,7 @@
           <a:p>
             <a:fld id="{9E165265-8165-49F1-91A8-E70E1E292982}" type="datetime1">
               <a:rPr lang="de-CH" smtClean="0"/>
-              <a:t>10.01.2024</a:t>
+              <a:t>15.01.2024</a:t>
             </a:fld>
             <a:endParaRPr lang="de-CH"/>
           </a:p>
@@ -1318,7 +1318,7 @@
           <a:p>
             <a:fld id="{1C4EA4CC-4763-44DB-B353-33E4089DD5FB}" type="datetime1">
               <a:rPr lang="de-CH" smtClean="0"/>
-              <a:t>10.01.2024</a:t>
+              <a:t>15.01.2024</a:t>
             </a:fld>
             <a:endParaRPr lang="de-CH"/>
           </a:p>
@@ -1522,7 +1522,7 @@
           <a:p>
             <a:fld id="{F4073F51-5507-415F-93EC-2541CAD0F109}" type="datetime1">
               <a:rPr lang="de-CH" smtClean="0"/>
-              <a:t>10.01.2024</a:t>
+              <a:t>15.01.2024</a:t>
             </a:fld>
             <a:endParaRPr lang="de-CH"/>
           </a:p>
@@ -1802,7 +1802,7 @@
           <a:p>
             <a:fld id="{88036CCC-CD8E-4B19-9B6B-9E686FDF93D0}" type="datetime1">
               <a:rPr lang="de-CH" smtClean="0"/>
-              <a:t>10.01.2024</a:t>
+              <a:t>15.01.2024</a:t>
             </a:fld>
             <a:endParaRPr lang="de-CH"/>
           </a:p>
@@ -2074,7 +2074,7 @@
           <a:p>
             <a:fld id="{D2D6FB56-3D0D-4525-BB35-DA8023D045FB}" type="datetime1">
               <a:rPr lang="de-CH" smtClean="0"/>
-              <a:t>10.01.2024</a:t>
+              <a:t>15.01.2024</a:t>
             </a:fld>
             <a:endParaRPr lang="de-CH"/>
           </a:p>
@@ -2493,7 +2493,7 @@
           <a:p>
             <a:fld id="{F3845D3F-B03C-4CA9-8F08-57FFBC2B022B}" type="datetime1">
               <a:rPr lang="de-CH" smtClean="0"/>
-              <a:t>10.01.2024</a:t>
+              <a:t>15.01.2024</a:t>
             </a:fld>
             <a:endParaRPr lang="de-CH"/>
           </a:p>
@@ -2639,7 +2639,7 @@
           <a:p>
             <a:fld id="{0E0444B1-AE6C-46B4-9799-B73B5D21A082}" type="datetime1">
               <a:rPr lang="de-CH" smtClean="0"/>
-              <a:t>10.01.2024</a:t>
+              <a:t>15.01.2024</a:t>
             </a:fld>
             <a:endParaRPr lang="de-CH"/>
           </a:p>
@@ -2756,7 +2756,7 @@
           <a:p>
             <a:fld id="{960CD63E-96A7-4836-93D3-368297951D0E}" type="datetime1">
               <a:rPr lang="de-CH" smtClean="0"/>
-              <a:t>10.01.2024</a:t>
+              <a:t>15.01.2024</a:t>
             </a:fld>
             <a:endParaRPr lang="de-CH"/>
           </a:p>
@@ -3073,7 +3073,7 @@
           <a:p>
             <a:fld id="{E9902AF4-F34A-4D18-9D52-C55461C44A60}" type="datetime1">
               <a:rPr lang="de-CH" smtClean="0"/>
-              <a:t>10.01.2024</a:t>
+              <a:t>15.01.2024</a:t>
             </a:fld>
             <a:endParaRPr lang="de-CH"/>
           </a:p>
@@ -3366,7 +3366,7 @@
           <a:p>
             <a:fld id="{ECE1BED3-2F6D-497E-8367-89A5F4786F51}" type="datetime1">
               <a:rPr lang="de-CH" smtClean="0"/>
-              <a:t>10.01.2024</a:t>
+              <a:t>15.01.2024</a:t>
             </a:fld>
             <a:endParaRPr lang="de-CH"/>
           </a:p>
@@ -3613,7 +3613,7 @@
           <a:p>
             <a:fld id="{689A735B-5364-43E8-A8C9-423CF5DD2D6E}" type="datetime1">
               <a:rPr lang="de-CH" smtClean="0"/>
-              <a:t>10.01.2024</a:t>
+              <a:t>15.01.2024</a:t>
             </a:fld>
             <a:endParaRPr lang="de-CH"/>
           </a:p>
@@ -4328,7 +4328,7 @@
           <a:p>
             <a:fld id="{E9039B53-64DB-43D6-B390-336BA2AB1C61}" type="datetime1">
               <a:rPr lang="de-CH" smtClean="0"/>
-              <a:t>10.01.2024</a:t>
+              <a:t>15.01.2024</a:t>
             </a:fld>
             <a:endParaRPr lang="de-CH"/>
           </a:p>
@@ -4467,7 +4467,7 @@
           <a:p>
             <a:fld id="{F4073F51-5507-415F-93EC-2541CAD0F109}" type="datetime1">
               <a:rPr lang="de-CH" smtClean="0"/>
-              <a:t>10.01.2024</a:t>
+              <a:t>15.01.2024</a:t>
             </a:fld>
             <a:endParaRPr lang="de-CH"/>
           </a:p>
@@ -4783,7 +4783,7 @@
           <a:p>
             <a:fld id="{EE4D6A01-B4A1-463C-96FF-57D8E00838CD}" type="datetime1">
               <a:rPr lang="de-CH" smtClean="0"/>
-              <a:t>10.01.2024</a:t>
+              <a:t>15.01.2024</a:t>
             </a:fld>
             <a:endParaRPr lang="de-CH"/>
           </a:p>
@@ -5048,7 +5048,7 @@
           <a:p>
             <a:fld id="{F4073F51-5507-415F-93EC-2541CAD0F109}" type="datetime1">
               <a:rPr lang="de-CH" smtClean="0"/>
-              <a:t>10.01.2024</a:t>
+              <a:t>15.01.2024</a:t>
             </a:fld>
             <a:endParaRPr lang="de-CH"/>
           </a:p>
@@ -5352,7 +5352,7 @@
           <a:p>
             <a:fld id="{EE4D6A01-B4A1-463C-96FF-57D8E00838CD}" type="datetime1">
               <a:rPr lang="de-CH" smtClean="0"/>
-              <a:t>10.01.2024</a:t>
+              <a:t>15.01.2024</a:t>
             </a:fld>
             <a:endParaRPr lang="de-CH"/>
           </a:p>
@@ -5593,7 +5593,7 @@
           <a:p>
             <a:fld id="{EE4D6A01-B4A1-463C-96FF-57D8E00838CD}" type="datetime1">
               <a:rPr lang="de-CH" smtClean="0"/>
-              <a:t>10.01.2024</a:t>
+              <a:t>15.01.2024</a:t>
             </a:fld>
             <a:endParaRPr lang="de-CH"/>
           </a:p>
@@ -5735,12 +5735,6 @@
           </a:p>
           <a:p>
             <a:r>
-              <a:rPr lang="de-CH" dirty="0"/>
-              <a:t>Resnet18</a:t>
-            </a:r>
-          </a:p>
-          <a:p>
-            <a:r>
               <a:rPr lang="de-CH" dirty="0" err="1"/>
               <a:t>Overfitting</a:t>
             </a:r>
@@ -5846,7 +5840,7 @@
           <a:p>
             <a:fld id="{EE4D6A01-B4A1-463C-96FF-57D8E00838CD}" type="datetime1">
               <a:rPr lang="de-CH" smtClean="0"/>
-              <a:t>10.01.2024</a:t>
+              <a:t>15.01.2024</a:t>
             </a:fld>
             <a:endParaRPr lang="de-CH"/>
           </a:p>
@@ -5901,10 +5895,10 @@
       </p:pic>
       <p:pic>
         <p:nvPicPr>
-          <p:cNvPr id="8" name="Grafik 7">
-            <a:extLst>
-              <a:ext uri="{FF2B5EF4-FFF2-40B4-BE49-F238E27FC236}">
-                <a16:creationId xmlns:a16="http://schemas.microsoft.com/office/drawing/2014/main" id="{51C22E99-CC2E-57F6-890F-091CDCCDBC35}"/>
+          <p:cNvPr id="11" name="Grafik 10">
+            <a:extLst>
+              <a:ext uri="{FF2B5EF4-FFF2-40B4-BE49-F238E27FC236}">
+                <a16:creationId xmlns:a16="http://schemas.microsoft.com/office/drawing/2014/main" id="{C16B60EC-90DE-06A9-F1FD-813328C532EB}"/>
               </a:ext>
             </a:extLst>
           </p:cNvPr>
@@ -5921,8 +5915,38 @@
         </p:blipFill>
         <p:spPr>
           <a:xfrm>
-            <a:off x="4727530" y="2129424"/>
-            <a:ext cx="3883070" cy="3106455"/>
+            <a:off x="4388463" y="2294338"/>
+            <a:ext cx="3962086" cy="2433149"/>
+          </a:xfrm>
+          <a:prstGeom prst="rect">
+            <a:avLst/>
+          </a:prstGeom>
+        </p:spPr>
+      </p:pic>
+      <p:pic>
+        <p:nvPicPr>
+          <p:cNvPr id="13" name="Grafik 12">
+            <a:extLst>
+              <a:ext uri="{FF2B5EF4-FFF2-40B4-BE49-F238E27FC236}">
+                <a16:creationId xmlns:a16="http://schemas.microsoft.com/office/drawing/2014/main" id="{06AE97DA-2CB5-34BF-077B-2B49F653C00B}"/>
+              </a:ext>
+            </a:extLst>
+          </p:cNvPr>
+          <p:cNvPicPr>
+            <a:picLocks noChangeAspect="1"/>
+          </p:cNvPicPr>
+          <p:nvPr/>
+        </p:nvPicPr>
+        <p:blipFill>
+          <a:blip r:embed="rId4"/>
+          <a:stretch>
+            <a:fillRect/>
+          </a:stretch>
+        </p:blipFill>
+        <p:spPr>
+          <a:xfrm>
+            <a:off x="8356933" y="2294338"/>
+            <a:ext cx="3835067" cy="2356968"/>
           </a:xfrm>
           <a:prstGeom prst="rect">
             <a:avLst/>
@@ -6068,7 +6092,7 @@
           <a:p>
             <a:fld id="{EE4D6A01-B4A1-463C-96FF-57D8E00838CD}" type="datetime1">
               <a:rPr lang="de-CH" smtClean="0"/>
-              <a:t>10.01.2024</a:t>
+              <a:t>15.01.2024</a:t>
             </a:fld>
             <a:endParaRPr lang="de-CH"/>
           </a:p>
@@ -6331,7 +6355,7 @@
           <a:p>
             <a:fld id="{F4073F51-5507-415F-93EC-2541CAD0F109}" type="datetime1">
               <a:rPr lang="de-CH" smtClean="0"/>
-              <a:t>10.01.2024</a:t>
+              <a:t>15.01.2024</a:t>
             </a:fld>
             <a:endParaRPr lang="de-CH"/>
           </a:p>
@@ -6636,7 +6660,7 @@
           <a:p>
             <a:fld id="{F4073F51-5507-415F-93EC-2541CAD0F109}" type="datetime1">
               <a:rPr lang="de-CH" smtClean="0"/>
-              <a:t>10.01.2024</a:t>
+              <a:t>15.01.2024</a:t>
             </a:fld>
             <a:endParaRPr lang="de-CH"/>
           </a:p>
